--- a/Azure Learning/Azure management tools.pptx
+++ b/Azure Learning/Azure management tools.pptx
@@ -4,6 +4,9 @@
   <p:sldMasterIdLst>
     <p:sldMasterId id="2147483660" r:id="rId1"/>
   </p:sldMasterIdLst>
+  <p:notesMasterIdLst>
+    <p:notesMasterId r:id="rId6"/>
+  </p:notesMasterIdLst>
   <p:sldIdLst>
     <p:sldId id="256" r:id="rId2"/>
     <p:sldId id="257" r:id="rId3"/>
@@ -107,7 +110,361 @@
       </a:defRPr>
     </a:lvl9pPr>
   </p:defaultTextStyle>
+  <p:extLst>
+    <p:ext uri="{EFAFB233-063F-42B5-8137-9DF3F51BA10A}">
+      <p15:sldGuideLst xmlns:p15="http://schemas.microsoft.com/office/powerpoint/2012/main"/>
+    </p:ext>
+  </p:extLst>
 </p:presentation>
+</file>
+
+<file path=ppt/notesMasters/notesMaster1.xml><?xml version="1.0" encoding="utf-8"?>
+<p:notesMaster xmlns:a="http://schemas.openxmlformats.org/drawingml/2006/main" xmlns:r="http://schemas.openxmlformats.org/officeDocument/2006/relationships" xmlns:p="http://schemas.openxmlformats.org/presentationml/2006/main">
+  <p:cSld>
+    <p:bg>
+      <p:bgRef idx="1001">
+        <a:schemeClr val="bg1"/>
+      </p:bgRef>
+    </p:bg>
+    <p:spTree>
+      <p:nvGrpSpPr>
+        <p:cNvPr id="1" name=""/>
+        <p:cNvGrpSpPr/>
+        <p:nvPr/>
+      </p:nvGrpSpPr>
+      <p:grpSpPr>
+        <a:xfrm>
+          <a:off x="0" y="0"/>
+          <a:ext cx="0" cy="0"/>
+          <a:chOff x="0" y="0"/>
+          <a:chExt cx="0" cy="0"/>
+        </a:xfrm>
+      </p:grpSpPr>
+      <p:sp>
+        <p:nvSpPr>
+          <p:cNvPr id="2" name="Header Placeholder 1"/>
+          <p:cNvSpPr>
+            <a:spLocks noGrp="1"/>
+          </p:cNvSpPr>
+          <p:nvPr>
+            <p:ph type="hdr" sz="quarter"/>
+          </p:nvPr>
+        </p:nvSpPr>
+        <p:spPr>
+          <a:xfrm>
+            <a:off x="0" y="0"/>
+            <a:ext cx="2971800" cy="458788"/>
+          </a:xfrm>
+          <a:prstGeom prst="rect">
+            <a:avLst/>
+          </a:prstGeom>
+        </p:spPr>
+        <p:txBody>
+          <a:bodyPr vert="horz" lIns="91440" tIns="45720" rIns="91440" bIns="45720" rtlCol="0"/>
+          <a:lstStyle>
+            <a:lvl1pPr algn="l">
+              <a:defRPr sz="1200"/>
+            </a:lvl1pPr>
+          </a:lstStyle>
+          <a:p>
+            <a:endParaRPr lang="en-US"/>
+          </a:p>
+        </p:txBody>
+      </p:sp>
+      <p:sp>
+        <p:nvSpPr>
+          <p:cNvPr id="3" name="Date Placeholder 2"/>
+          <p:cNvSpPr>
+            <a:spLocks noGrp="1"/>
+          </p:cNvSpPr>
+          <p:nvPr>
+            <p:ph type="dt" idx="1"/>
+          </p:nvPr>
+        </p:nvSpPr>
+        <p:spPr>
+          <a:xfrm>
+            <a:off x="3884613" y="0"/>
+            <a:ext cx="2971800" cy="458788"/>
+          </a:xfrm>
+          <a:prstGeom prst="rect">
+            <a:avLst/>
+          </a:prstGeom>
+        </p:spPr>
+        <p:txBody>
+          <a:bodyPr vert="horz" lIns="91440" tIns="45720" rIns="91440" bIns="45720" rtlCol="0"/>
+          <a:lstStyle>
+            <a:lvl1pPr algn="r">
+              <a:defRPr sz="1200"/>
+            </a:lvl1pPr>
+          </a:lstStyle>
+          <a:p>
+            <a:fld id="{4AB7657E-7CD3-42A5-89A9-3838A3A97DFA}" type="datetimeFigureOut">
+              <a:rPr lang="en-US" smtClean="0"/>
+              <a:t>9/24/2024</a:t>
+            </a:fld>
+            <a:endParaRPr lang="en-US"/>
+          </a:p>
+        </p:txBody>
+      </p:sp>
+      <p:sp>
+        <p:nvSpPr>
+          <p:cNvPr id="4" name="Slide Image Placeholder 3"/>
+          <p:cNvSpPr>
+            <a:spLocks noGrp="1" noRot="1" noChangeAspect="1"/>
+          </p:cNvSpPr>
+          <p:nvPr>
+            <p:ph type="sldImg" idx="2"/>
+          </p:nvPr>
+        </p:nvSpPr>
+        <p:spPr>
+          <a:xfrm>
+            <a:off x="685800" y="1143000"/>
+            <a:ext cx="5486400" cy="3086100"/>
+          </a:xfrm>
+          <a:prstGeom prst="rect">
+            <a:avLst/>
+          </a:prstGeom>
+          <a:noFill/>
+          <a:ln w="12700">
+            <a:solidFill>
+              <a:prstClr val="black"/>
+            </a:solidFill>
+          </a:ln>
+        </p:spPr>
+        <p:txBody>
+          <a:bodyPr vert="horz" lIns="91440" tIns="45720" rIns="91440" bIns="45720" rtlCol="0" anchor="ctr"/>
+          <a:lstStyle/>
+          <a:p>
+            <a:endParaRPr lang="en-US"/>
+          </a:p>
+        </p:txBody>
+      </p:sp>
+      <p:sp>
+        <p:nvSpPr>
+          <p:cNvPr id="5" name="Notes Placeholder 4"/>
+          <p:cNvSpPr>
+            <a:spLocks noGrp="1"/>
+          </p:cNvSpPr>
+          <p:nvPr>
+            <p:ph type="body" sz="quarter" idx="3"/>
+          </p:nvPr>
+        </p:nvSpPr>
+        <p:spPr>
+          <a:xfrm>
+            <a:off x="685800" y="4400550"/>
+            <a:ext cx="5486400" cy="3600450"/>
+          </a:xfrm>
+          <a:prstGeom prst="rect">
+            <a:avLst/>
+          </a:prstGeom>
+        </p:spPr>
+        <p:txBody>
+          <a:bodyPr vert="horz" lIns="91440" tIns="45720" rIns="91440" bIns="45720" rtlCol="0"/>
+          <a:lstStyle/>
+          <a:p>
+            <a:pPr lvl="0"/>
+            <a:r>
+              <a:rPr lang="en-US"/>
+              <a:t>Click to edit Master text styles</a:t>
+            </a:r>
+          </a:p>
+          <a:p>
+            <a:pPr lvl="1"/>
+            <a:r>
+              <a:rPr lang="en-US"/>
+              <a:t>Second level</a:t>
+            </a:r>
+          </a:p>
+          <a:p>
+            <a:pPr lvl="2"/>
+            <a:r>
+              <a:rPr lang="en-US"/>
+              <a:t>Third level</a:t>
+            </a:r>
+          </a:p>
+          <a:p>
+            <a:pPr lvl="3"/>
+            <a:r>
+              <a:rPr lang="en-US"/>
+              <a:t>Fourth level</a:t>
+            </a:r>
+          </a:p>
+          <a:p>
+            <a:pPr lvl="4"/>
+            <a:r>
+              <a:rPr lang="en-US"/>
+              <a:t>Fifth level</a:t>
+            </a:r>
+          </a:p>
+        </p:txBody>
+      </p:sp>
+      <p:sp>
+        <p:nvSpPr>
+          <p:cNvPr id="6" name="Footer Placeholder 5"/>
+          <p:cNvSpPr>
+            <a:spLocks noGrp="1"/>
+          </p:cNvSpPr>
+          <p:nvPr>
+            <p:ph type="ftr" sz="quarter" idx="4"/>
+          </p:nvPr>
+        </p:nvSpPr>
+        <p:spPr>
+          <a:xfrm>
+            <a:off x="0" y="8685213"/>
+            <a:ext cx="2971800" cy="458787"/>
+          </a:xfrm>
+          <a:prstGeom prst="rect">
+            <a:avLst/>
+          </a:prstGeom>
+        </p:spPr>
+        <p:txBody>
+          <a:bodyPr vert="horz" lIns="91440" tIns="45720" rIns="91440" bIns="45720" rtlCol="0" anchor="b"/>
+          <a:lstStyle>
+            <a:lvl1pPr algn="l">
+              <a:defRPr sz="1200"/>
+            </a:lvl1pPr>
+          </a:lstStyle>
+          <a:p>
+            <a:endParaRPr lang="en-US"/>
+          </a:p>
+        </p:txBody>
+      </p:sp>
+      <p:sp>
+        <p:nvSpPr>
+          <p:cNvPr id="7" name="Slide Number Placeholder 6"/>
+          <p:cNvSpPr>
+            <a:spLocks noGrp="1"/>
+          </p:cNvSpPr>
+          <p:nvPr>
+            <p:ph type="sldNum" sz="quarter" idx="5"/>
+          </p:nvPr>
+        </p:nvSpPr>
+        <p:spPr>
+          <a:xfrm>
+            <a:off x="3884613" y="8685213"/>
+            <a:ext cx="2971800" cy="458787"/>
+          </a:xfrm>
+          <a:prstGeom prst="rect">
+            <a:avLst/>
+          </a:prstGeom>
+        </p:spPr>
+        <p:txBody>
+          <a:bodyPr vert="horz" lIns="91440" tIns="45720" rIns="91440" bIns="45720" rtlCol="0" anchor="b"/>
+          <a:lstStyle>
+            <a:lvl1pPr algn="r">
+              <a:defRPr sz="1200"/>
+            </a:lvl1pPr>
+          </a:lstStyle>
+          <a:p>
+            <a:fld id="{8F497F59-15FE-44A1-A4FB-8624CC0A9F15}" type="slidenum">
+              <a:rPr lang="en-US" smtClean="0"/>
+              <a:t>‹#›</a:t>
+            </a:fld>
+            <a:endParaRPr lang="en-US"/>
+          </a:p>
+        </p:txBody>
+      </p:sp>
+    </p:spTree>
+    <p:extLst>
+      <p:ext uri="{BB962C8B-B14F-4D97-AF65-F5344CB8AC3E}">
+        <p14:creationId xmlns:p14="http://schemas.microsoft.com/office/powerpoint/2010/main" val="1888438306"/>
+      </p:ext>
+    </p:extLst>
+  </p:cSld>
+  <p:clrMap bg1="lt1" tx1="dk1" bg2="lt2" tx2="dk2" accent1="accent1" accent2="accent2" accent3="accent3" accent4="accent4" accent5="accent5" accent6="accent6" hlink="hlink" folHlink="folHlink"/>
+  <p:notesStyle>
+    <a:lvl1pPr marL="0" algn="l" defTabSz="914400" rtl="0" eaLnBrk="1" latinLnBrk="0" hangingPunct="1">
+      <a:defRPr sz="1200" kern="1200">
+        <a:solidFill>
+          <a:schemeClr val="tx1"/>
+        </a:solidFill>
+        <a:latin typeface="+mn-lt"/>
+        <a:ea typeface="+mn-ea"/>
+        <a:cs typeface="+mn-cs"/>
+      </a:defRPr>
+    </a:lvl1pPr>
+    <a:lvl2pPr marL="457200" algn="l" defTabSz="914400" rtl="0" eaLnBrk="1" latinLnBrk="0" hangingPunct="1">
+      <a:defRPr sz="1200" kern="1200">
+        <a:solidFill>
+          <a:schemeClr val="tx1"/>
+        </a:solidFill>
+        <a:latin typeface="+mn-lt"/>
+        <a:ea typeface="+mn-ea"/>
+        <a:cs typeface="+mn-cs"/>
+      </a:defRPr>
+    </a:lvl2pPr>
+    <a:lvl3pPr marL="914400" algn="l" defTabSz="914400" rtl="0" eaLnBrk="1" latinLnBrk="0" hangingPunct="1">
+      <a:defRPr sz="1200" kern="1200">
+        <a:solidFill>
+          <a:schemeClr val="tx1"/>
+        </a:solidFill>
+        <a:latin typeface="+mn-lt"/>
+        <a:ea typeface="+mn-ea"/>
+        <a:cs typeface="+mn-cs"/>
+      </a:defRPr>
+    </a:lvl3pPr>
+    <a:lvl4pPr marL="1371600" algn="l" defTabSz="914400" rtl="0" eaLnBrk="1" latinLnBrk="0" hangingPunct="1">
+      <a:defRPr sz="1200" kern="1200">
+        <a:solidFill>
+          <a:schemeClr val="tx1"/>
+        </a:solidFill>
+        <a:latin typeface="+mn-lt"/>
+        <a:ea typeface="+mn-ea"/>
+        <a:cs typeface="+mn-cs"/>
+      </a:defRPr>
+    </a:lvl4pPr>
+    <a:lvl5pPr marL="1828800" algn="l" defTabSz="914400" rtl="0" eaLnBrk="1" latinLnBrk="0" hangingPunct="1">
+      <a:defRPr sz="1200" kern="1200">
+        <a:solidFill>
+          <a:schemeClr val="tx1"/>
+        </a:solidFill>
+        <a:latin typeface="+mn-lt"/>
+        <a:ea typeface="+mn-ea"/>
+        <a:cs typeface="+mn-cs"/>
+      </a:defRPr>
+    </a:lvl5pPr>
+    <a:lvl6pPr marL="2286000" algn="l" defTabSz="914400" rtl="0" eaLnBrk="1" latinLnBrk="0" hangingPunct="1">
+      <a:defRPr sz="1200" kern="1200">
+        <a:solidFill>
+          <a:schemeClr val="tx1"/>
+        </a:solidFill>
+        <a:latin typeface="+mn-lt"/>
+        <a:ea typeface="+mn-ea"/>
+        <a:cs typeface="+mn-cs"/>
+      </a:defRPr>
+    </a:lvl6pPr>
+    <a:lvl7pPr marL="2743200" algn="l" defTabSz="914400" rtl="0" eaLnBrk="1" latinLnBrk="0" hangingPunct="1">
+      <a:defRPr sz="1200" kern="1200">
+        <a:solidFill>
+          <a:schemeClr val="tx1"/>
+        </a:solidFill>
+        <a:latin typeface="+mn-lt"/>
+        <a:ea typeface="+mn-ea"/>
+        <a:cs typeface="+mn-cs"/>
+      </a:defRPr>
+    </a:lvl7pPr>
+    <a:lvl8pPr marL="3200400" algn="l" defTabSz="914400" rtl="0" eaLnBrk="1" latinLnBrk="0" hangingPunct="1">
+      <a:defRPr sz="1200" kern="1200">
+        <a:solidFill>
+          <a:schemeClr val="tx1"/>
+        </a:solidFill>
+        <a:latin typeface="+mn-lt"/>
+        <a:ea typeface="+mn-ea"/>
+        <a:cs typeface="+mn-cs"/>
+      </a:defRPr>
+    </a:lvl8pPr>
+    <a:lvl9pPr marL="3657600" algn="l" defTabSz="914400" rtl="0" eaLnBrk="1" latinLnBrk="0" hangingPunct="1">
+      <a:defRPr sz="1200" kern="1200">
+        <a:solidFill>
+          <a:schemeClr val="tx1"/>
+        </a:solidFill>
+        <a:latin typeface="+mn-lt"/>
+        <a:ea typeface="+mn-ea"/>
+        <a:cs typeface="+mn-cs"/>
+      </a:defRPr>
+    </a:lvl9pPr>
+  </p:notesStyle>
+</p:notesMaster>
 </file>
 
 <file path=ppt/slideLayouts/slideLayout1.xml><?xml version="1.0" encoding="utf-8"?>
@@ -266,9 +623,9 @@
           <a:bodyPr/>
           <a:lstStyle/>
           <a:p>
-            <a:fld id="{655A5808-3B61-48CC-92EF-85AC2E0DFA56}" type="datetime2">
+            <a:fld id="{5FC0B1A3-CE52-4B55-A917-9C5ED557CA2F}" type="datetime2">
               <a:rPr lang="en-US" smtClean="0"/>
-              <a:t>Friday, June 14, 2024</a:t>
+              <a:t>Tuesday, September 24, 2024</a:t>
             </a:fld>
             <a:endParaRPr lang="en-US"/>
           </a:p>
@@ -295,7 +652,10 @@
           <a:bodyPr/>
           <a:lstStyle/>
           <a:p>
-            <a:endParaRPr lang="en-US"/>
+            <a:r>
+              <a:rPr lang="en-US"/>
+              <a:t>Sir Abdullah</a:t>
+            </a:r>
           </a:p>
         </p:txBody>
       </p:sp>
@@ -464,9 +824,9 @@
           <a:bodyPr/>
           <a:lstStyle/>
           <a:p>
-            <a:fld id="{735E98AF-4574-4509-BF7A-519ACD5BF826}" type="datetime2">
+            <a:fld id="{80AF78A3-414C-470A-8EA0-9024F3B0619E}" type="datetime2">
               <a:rPr lang="en-US" smtClean="0"/>
-              <a:t>Friday, June 14, 2024</a:t>
+              <a:t>Tuesday, September 24, 2024</a:t>
             </a:fld>
             <a:endParaRPr lang="en-US"/>
           </a:p>
@@ -493,7 +853,10 @@
           <a:bodyPr/>
           <a:lstStyle/>
           <a:p>
-            <a:endParaRPr lang="en-US"/>
+            <a:r>
+              <a:rPr lang="en-US"/>
+              <a:t>Sir Abdullah</a:t>
+            </a:r>
           </a:p>
         </p:txBody>
       </p:sp>
@@ -674,9 +1037,9 @@
           <a:bodyPr/>
           <a:lstStyle/>
           <a:p>
-            <a:fld id="{93DD97D4-9636-490F-85D0-E926C2B6F3B1}" type="datetime2">
+            <a:fld id="{B7B39E1E-4C5E-4841-97AD-BFDBF2A8D05E}" type="datetime2">
               <a:rPr lang="en-US" smtClean="0"/>
-              <a:t>Friday, June 14, 2024</a:t>
+              <a:t>Tuesday, September 24, 2024</a:t>
             </a:fld>
             <a:endParaRPr lang="en-US"/>
           </a:p>
@@ -703,7 +1066,10 @@
           <a:bodyPr/>
           <a:lstStyle/>
           <a:p>
-            <a:endParaRPr lang="en-US"/>
+            <a:r>
+              <a:rPr lang="en-US"/>
+              <a:t>Sir Abdullah</a:t>
+            </a:r>
           </a:p>
         </p:txBody>
       </p:sp>
@@ -873,9 +1239,9 @@
           <a:bodyPr/>
           <a:lstStyle/>
           <a:p>
-            <a:fld id="{2F3AF3C6-0FD4-4939-991C-00DDE5C56815}" type="datetime2">
+            <a:fld id="{38E46529-A045-4D60-9360-1AB6311FCE8F}" type="datetime2">
               <a:rPr lang="en-US" smtClean="0"/>
-              <a:t>Friday, June 14, 2024</a:t>
+              <a:t>Tuesday, September 24, 2024</a:t>
             </a:fld>
             <a:endParaRPr lang="en-US"/>
           </a:p>
@@ -902,7 +1268,10 @@
           <a:bodyPr/>
           <a:lstStyle/>
           <a:p>
-            <a:endParaRPr lang="en-US"/>
+            <a:r>
+              <a:rPr lang="en-US"/>
+              <a:t>Sir Abdullah</a:t>
+            </a:r>
           </a:p>
         </p:txBody>
       </p:sp>
@@ -1154,9 +1523,9 @@
           <a:bodyPr/>
           <a:lstStyle/>
           <a:p>
-            <a:fld id="{86807482-8128-47C6-A8DD-6452B0291CFF}" type="datetime2">
+            <a:fld id="{DCE20376-D0B8-4398-ADFF-EBBD513AECDC}" type="datetime2">
               <a:rPr lang="en-US" smtClean="0"/>
-              <a:t>Friday, June 14, 2024</a:t>
+              <a:t>Tuesday, September 24, 2024</a:t>
             </a:fld>
             <a:endParaRPr lang="en-US"/>
           </a:p>
@@ -1183,7 +1552,10 @@
           <a:bodyPr/>
           <a:lstStyle/>
           <a:p>
-            <a:endParaRPr lang="en-US"/>
+            <a:r>
+              <a:rPr lang="en-US"/>
+              <a:t>Sir Abdullah</a:t>
+            </a:r>
           </a:p>
         </p:txBody>
       </p:sp>
@@ -1422,9 +1794,9 @@
           <a:bodyPr/>
           <a:lstStyle/>
           <a:p>
-            <a:fld id="{37903F25-275E-41DE-BE3B-EBF0DB49F9B1}" type="datetime2">
+            <a:fld id="{2F1AEE25-381C-430E-A962-D4689956CB94}" type="datetime2">
               <a:rPr lang="en-US" smtClean="0"/>
-              <a:t>Friday, June 14, 2024</a:t>
+              <a:t>Tuesday, September 24, 2024</a:t>
             </a:fld>
             <a:endParaRPr lang="en-US"/>
           </a:p>
@@ -1451,7 +1823,10 @@
           <a:bodyPr/>
           <a:lstStyle/>
           <a:p>
-            <a:endParaRPr lang="en-US"/>
+            <a:r>
+              <a:rPr lang="en-US"/>
+              <a:t>Sir Abdullah</a:t>
+            </a:r>
           </a:p>
         </p:txBody>
       </p:sp>
@@ -1803,9 +2178,9 @@
           <a:bodyPr/>
           <a:lstStyle/>
           <a:p>
-            <a:fld id="{EE475572-4A44-4171-84AA-64D42C8050A6}" type="datetime2">
+            <a:fld id="{191D4D05-9329-4FEF-BEC5-EAC6A7A4F7EC}" type="datetime2">
               <a:rPr lang="en-US" smtClean="0"/>
-              <a:t>Friday, June 14, 2024</a:t>
+              <a:t>Tuesday, September 24, 2024</a:t>
             </a:fld>
             <a:endParaRPr lang="en-US"/>
           </a:p>
@@ -1832,7 +2207,10 @@
           <a:bodyPr/>
           <a:lstStyle/>
           <a:p>
-            <a:endParaRPr lang="en-US"/>
+            <a:r>
+              <a:rPr lang="en-US"/>
+              <a:t>Sir Abdullah</a:t>
+            </a:r>
           </a:p>
         </p:txBody>
       </p:sp>
@@ -1973,9 +2351,9 @@
           <a:bodyPr/>
           <a:lstStyle/>
           <a:p>
-            <a:fld id="{C4C1612E-528E-4FD5-9E9E-E15F1108F171}" type="datetime2">
+            <a:fld id="{1B64C5ED-EBE8-442C-9E28-3DB6EAFE1AEF}" type="datetime2">
               <a:rPr lang="en-US" smtClean="0"/>
-              <a:t>Friday, June 14, 2024</a:t>
+              <a:t>Tuesday, September 24, 2024</a:t>
             </a:fld>
             <a:endParaRPr lang="en-US"/>
           </a:p>
@@ -2002,7 +2380,10 @@
           <a:bodyPr/>
           <a:lstStyle/>
           <a:p>
-            <a:endParaRPr lang="en-US"/>
+            <a:r>
+              <a:rPr lang="en-US"/>
+              <a:t>Sir Abdullah</a:t>
+            </a:r>
           </a:p>
         </p:txBody>
       </p:sp>
@@ -2086,9 +2467,9 @@
           <a:bodyPr/>
           <a:lstStyle/>
           <a:p>
-            <a:fld id="{D4F6D862-A06D-436F-A92E-EBAAD50B6E50}" type="datetime2">
+            <a:fld id="{4E0C35B8-BA94-46D6-9385-C8F39BCD74A3}" type="datetime2">
               <a:rPr lang="en-US" smtClean="0"/>
-              <a:t>Friday, June 14, 2024</a:t>
+              <a:t>Tuesday, September 24, 2024</a:t>
             </a:fld>
             <a:endParaRPr lang="en-US"/>
           </a:p>
@@ -2115,7 +2496,10 @@
           <a:bodyPr/>
           <a:lstStyle/>
           <a:p>
-            <a:endParaRPr lang="en-US"/>
+            <a:r>
+              <a:rPr lang="en-US"/>
+              <a:t>Sir Abdullah</a:t>
+            </a:r>
           </a:p>
         </p:txBody>
       </p:sp>
@@ -2403,9 +2787,9 @@
           <a:bodyPr/>
           <a:lstStyle/>
           <a:p>
-            <a:fld id="{B73E0B7D-2260-4809-8F0A-9E5F3E24F169}" type="datetime2">
+            <a:fld id="{CB179448-5D21-44AE-A008-BE631D253904}" type="datetime2">
               <a:rPr lang="en-US" smtClean="0"/>
-              <a:t>Friday, June 14, 2024</a:t>
+              <a:t>Tuesday, September 24, 2024</a:t>
             </a:fld>
             <a:endParaRPr lang="en-US"/>
           </a:p>
@@ -2432,7 +2816,10 @@
           <a:bodyPr/>
           <a:lstStyle/>
           <a:p>
-            <a:endParaRPr lang="en-US"/>
+            <a:r>
+              <a:rPr lang="en-US"/>
+              <a:t>Sir Abdullah</a:t>
+            </a:r>
           </a:p>
         </p:txBody>
       </p:sp>
@@ -2695,9 +3082,9 @@
           <a:bodyPr/>
           <a:lstStyle/>
           <a:p>
-            <a:fld id="{3C8E4735-C637-46A3-94EB-AB3AC4188D2F}" type="datetime2">
+            <a:fld id="{86C8EA2F-1E63-4551-91A9-D960841A7333}" type="datetime2">
               <a:rPr lang="en-US" smtClean="0"/>
-              <a:t>Friday, June 14, 2024</a:t>
+              <a:t>Tuesday, September 24, 2024</a:t>
             </a:fld>
             <a:endParaRPr lang="en-US"/>
           </a:p>
@@ -2724,7 +3111,10 @@
           <a:bodyPr/>
           <a:lstStyle/>
           <a:p>
-            <a:endParaRPr lang="en-US"/>
+            <a:r>
+              <a:rPr lang="en-US"/>
+              <a:t>Sir Abdullah</a:t>
+            </a:r>
           </a:p>
         </p:txBody>
       </p:sp>
@@ -3062,10 +3452,9 @@
             </a:lvl1pPr>
           </a:lstStyle>
           <a:p>
-            <a:fld id="{AE0C963C-C1DB-4AFD-9DDC-0691666BF49B}" type="datetime2">
+            <a:fld id="{1C940B52-618A-457A-9475-F2C8F8CCDA44}" type="datetime2">
               <a:rPr lang="en-US" smtClean="0"/>
-              <a:pPr/>
-              <a:t>Friday, June 14, 2024</a:t>
+              <a:t>Tuesday, September 24, 2024</a:t>
             </a:fld>
             <a:endParaRPr lang="en-US" cap="all" dirty="0"/>
           </a:p>
@@ -3110,7 +3499,10 @@
           </a:lstStyle>
           <a:p>
             <a:pPr algn="l"/>
-            <a:endParaRPr lang="en-US"/>
+            <a:r>
+              <a:rPr lang="en-US"/>
+              <a:t>Sir Abdullah</a:t>
+            </a:r>
           </a:p>
         </p:txBody>
       </p:sp>
@@ -3181,7 +3573,7 @@
     <p:sldLayoutId id="2147483662" r:id="rId10"/>
     <p:sldLayoutId id="2147483661" r:id="rId11"/>
   </p:sldLayoutIdLst>
-  <p:hf sldNum="0" hdr="0" ftr="0" dt="0"/>
+  <p:hf sldNum="0" hdr="0" dt="0"/>
   <p:txStyles>
     <p:titleStyle>
       <a:lvl1pPr algn="l" defTabSz="914400" rtl="0" eaLnBrk="1" latinLnBrk="0" hangingPunct="1">
@@ -3941,6 +4333,34 @@
           </a:p>
         </p:txBody>
       </p:sp>
+      <p:sp>
+        <p:nvSpPr>
+          <p:cNvPr id="3" name="Footer Placeholder 2">
+            <a:extLst>
+              <a:ext uri="{FF2B5EF4-FFF2-40B4-BE49-F238E27FC236}">
+                <a16:creationId xmlns:a16="http://schemas.microsoft.com/office/drawing/2014/main" id="{7F3CA9C2-2EFD-EB48-6135-63939D0AD62A}"/>
+              </a:ext>
+            </a:extLst>
+          </p:cNvPr>
+          <p:cNvSpPr>
+            <a:spLocks noGrp="1"/>
+          </p:cNvSpPr>
+          <p:nvPr>
+            <p:ph type="ftr" sz="quarter" idx="11"/>
+          </p:nvPr>
+        </p:nvSpPr>
+        <p:spPr/>
+        <p:txBody>
+          <a:bodyPr/>
+          <a:lstStyle/>
+          <a:p>
+            <a:r>
+              <a:rPr lang="en-US"/>
+              <a:t>Sir Abdullah</a:t>
+            </a:r>
+          </a:p>
+        </p:txBody>
+      </p:sp>
     </p:spTree>
     <p:extLst>
       <p:ext uri="{BB962C8B-B14F-4D97-AF65-F5344CB8AC3E}">
@@ -4315,6 +4735,34 @@
           </a:p>
         </p:txBody>
       </p:sp>
+      <p:sp>
+        <p:nvSpPr>
+          <p:cNvPr id="4" name="Footer Placeholder 3">
+            <a:extLst>
+              <a:ext uri="{FF2B5EF4-FFF2-40B4-BE49-F238E27FC236}">
+                <a16:creationId xmlns:a16="http://schemas.microsoft.com/office/drawing/2014/main" id="{BD74E7C6-4D5C-D4E8-A2A9-A6D0FE8DBAF0}"/>
+              </a:ext>
+            </a:extLst>
+          </p:cNvPr>
+          <p:cNvSpPr>
+            <a:spLocks noGrp="1"/>
+          </p:cNvSpPr>
+          <p:nvPr>
+            <p:ph type="ftr" sz="quarter" idx="11"/>
+          </p:nvPr>
+        </p:nvSpPr>
+        <p:spPr/>
+        <p:txBody>
+          <a:bodyPr/>
+          <a:lstStyle/>
+          <a:p>
+            <a:r>
+              <a:rPr lang="en-US"/>
+              <a:t>Sir Abdullah</a:t>
+            </a:r>
+          </a:p>
+        </p:txBody>
+      </p:sp>
     </p:spTree>
     <p:extLst>
       <p:ext uri="{BB962C8B-B14F-4D97-AF65-F5344CB8AC3E}">
@@ -4689,6 +5137,34 @@
           </a:p>
         </p:txBody>
       </p:sp>
+      <p:sp>
+        <p:nvSpPr>
+          <p:cNvPr id="4" name="Footer Placeholder 3">
+            <a:extLst>
+              <a:ext uri="{FF2B5EF4-FFF2-40B4-BE49-F238E27FC236}">
+                <a16:creationId xmlns:a16="http://schemas.microsoft.com/office/drawing/2014/main" id="{11B57222-C62E-5F1B-FE91-FF2B3580C036}"/>
+              </a:ext>
+            </a:extLst>
+          </p:cNvPr>
+          <p:cNvSpPr>
+            <a:spLocks noGrp="1"/>
+          </p:cNvSpPr>
+          <p:nvPr>
+            <p:ph type="ftr" sz="quarter" idx="11"/>
+          </p:nvPr>
+        </p:nvSpPr>
+        <p:spPr/>
+        <p:txBody>
+          <a:bodyPr/>
+          <a:lstStyle/>
+          <a:p>
+            <a:r>
+              <a:rPr lang="en-US"/>
+              <a:t>Sir Abdullah</a:t>
+            </a:r>
+          </a:p>
+        </p:txBody>
+      </p:sp>
     </p:spTree>
     <p:extLst>
       <p:ext uri="{BB962C8B-B14F-4D97-AF65-F5344CB8AC3E}">
@@ -5060,6 +5536,34 @@
           <a:p>
             <a:pPr algn="ctr"/>
             <a:endParaRPr lang="en-US"/>
+          </a:p>
+        </p:txBody>
+      </p:sp>
+      <p:sp>
+        <p:nvSpPr>
+          <p:cNvPr id="4" name="Footer Placeholder 3">
+            <a:extLst>
+              <a:ext uri="{FF2B5EF4-FFF2-40B4-BE49-F238E27FC236}">
+                <a16:creationId xmlns:a16="http://schemas.microsoft.com/office/drawing/2014/main" id="{431E13D3-1231-389A-5F3E-AA5A0FE58503}"/>
+              </a:ext>
+            </a:extLst>
+          </p:cNvPr>
+          <p:cNvSpPr>
+            <a:spLocks noGrp="1"/>
+          </p:cNvSpPr>
+          <p:nvPr>
+            <p:ph type="ftr" sz="quarter" idx="11"/>
+          </p:nvPr>
+        </p:nvSpPr>
+        <p:spPr/>
+        <p:txBody>
+          <a:bodyPr/>
+          <a:lstStyle/>
+          <a:p>
+            <a:r>
+              <a:rPr lang="en-US"/>
+              <a:t>Sir Abdullah</a:t>
+            </a:r>
           </a:p>
         </p:txBody>
       </p:sp>
@@ -5275,4 +5779,319 @@
     </a:ext>
   </a:extLst>
 </a:theme>
+</file>
+
+<file path=ppt/theme/theme2.xml><?xml version="1.0" encoding="utf-8"?>
+<a:theme xmlns:a="http://schemas.openxmlformats.org/drawingml/2006/main" name="Office Theme">
+  <a:themeElements>
+    <a:clrScheme name="Office">
+      <a:dk1>
+        <a:sysClr val="windowText" lastClr="000000"/>
+      </a:dk1>
+      <a:lt1>
+        <a:sysClr val="window" lastClr="FFFFFF"/>
+      </a:lt1>
+      <a:dk2>
+        <a:srgbClr val="0E2841"/>
+      </a:dk2>
+      <a:lt2>
+        <a:srgbClr val="E8E8E8"/>
+      </a:lt2>
+      <a:accent1>
+        <a:srgbClr val="156082"/>
+      </a:accent1>
+      <a:accent2>
+        <a:srgbClr val="E97132"/>
+      </a:accent2>
+      <a:accent3>
+        <a:srgbClr val="196B24"/>
+      </a:accent3>
+      <a:accent4>
+        <a:srgbClr val="0F9ED5"/>
+      </a:accent4>
+      <a:accent5>
+        <a:srgbClr val="A02B93"/>
+      </a:accent5>
+      <a:accent6>
+        <a:srgbClr val="4EA72E"/>
+      </a:accent6>
+      <a:hlink>
+        <a:srgbClr val="467886"/>
+      </a:hlink>
+      <a:folHlink>
+        <a:srgbClr val="96607D"/>
+      </a:folHlink>
+    </a:clrScheme>
+    <a:fontScheme name="Office">
+      <a:majorFont>
+        <a:latin typeface="Aptos Display" panose="02110004020202020204"/>
+        <a:ea typeface=""/>
+        <a:cs typeface=""/>
+        <a:font script="Jpan" typeface="游ゴシック Light"/>
+        <a:font script="Hang" typeface="맑은 고딕"/>
+        <a:font script="Hans" typeface="等线 Light"/>
+        <a:font script="Hant" typeface="新細明體"/>
+        <a:font script="Arab" typeface="Times New Roman"/>
+        <a:font script="Hebr" typeface="Times New Roman"/>
+        <a:font script="Thai" typeface="Angsana New"/>
+        <a:font script="Ethi" typeface="Nyala"/>
+        <a:font script="Beng" typeface="Vrinda"/>
+        <a:font script="Gujr" typeface="Shruti"/>
+        <a:font script="Khmr" typeface="MoolBoran"/>
+        <a:font script="Knda" typeface="Tunga"/>
+        <a:font script="Guru" typeface="Raavi"/>
+        <a:font script="Cans" typeface="Euphemia"/>
+        <a:font script="Cher" typeface="Plantagenet Cherokee"/>
+        <a:font script="Yiii" typeface="Microsoft Yi Baiti"/>
+        <a:font script="Tibt" typeface="Microsoft Himalaya"/>
+        <a:font script="Thaa" typeface="MV Boli"/>
+        <a:font script="Deva" typeface="Mangal"/>
+        <a:font script="Telu" typeface="Gautami"/>
+        <a:font script="Taml" typeface="Latha"/>
+        <a:font script="Syrc" typeface="Estrangelo Edessa"/>
+        <a:font script="Orya" typeface="Kalinga"/>
+        <a:font script="Mlym" typeface="Kartika"/>
+        <a:font script="Laoo" typeface="DokChampa"/>
+        <a:font script="Sinh" typeface="Iskoola Pota"/>
+        <a:font script="Mong" typeface="Mongolian Baiti"/>
+        <a:font script="Viet" typeface="Times New Roman"/>
+        <a:font script="Uigh" typeface="Microsoft Uighur"/>
+        <a:font script="Geor" typeface="Sylfaen"/>
+        <a:font script="Armn" typeface="Arial"/>
+        <a:font script="Bugi" typeface="Leelawadee UI"/>
+        <a:font script="Bopo" typeface="Microsoft JhengHei"/>
+        <a:font script="Java" typeface="Javanese Text"/>
+        <a:font script="Lisu" typeface="Segoe UI"/>
+        <a:font script="Mymr" typeface="Myanmar Text"/>
+        <a:font script="Nkoo" typeface="Ebrima"/>
+        <a:font script="Olck" typeface="Nirmala UI"/>
+        <a:font script="Osma" typeface="Ebrima"/>
+        <a:font script="Phag" typeface="Phagspa"/>
+        <a:font script="Syrn" typeface="Estrangelo Edessa"/>
+        <a:font script="Syrj" typeface="Estrangelo Edessa"/>
+        <a:font script="Syre" typeface="Estrangelo Edessa"/>
+        <a:font script="Sora" typeface="Nirmala UI"/>
+        <a:font script="Tale" typeface="Microsoft Tai Le"/>
+        <a:font script="Talu" typeface="Microsoft New Tai Lue"/>
+        <a:font script="Tfng" typeface="Ebrima"/>
+      </a:majorFont>
+      <a:minorFont>
+        <a:latin typeface="Aptos" panose="02110004020202020204"/>
+        <a:ea typeface=""/>
+        <a:cs typeface=""/>
+        <a:font script="Jpan" typeface="游ゴシック"/>
+        <a:font script="Hang" typeface="맑은 고딕"/>
+        <a:font script="Hans" typeface="等线"/>
+        <a:font script="Hant" typeface="新細明體"/>
+        <a:font script="Arab" typeface="Arial"/>
+        <a:font script="Hebr" typeface="Arial"/>
+        <a:font script="Thai" typeface="Cordia New"/>
+        <a:font script="Ethi" typeface="Nyala"/>
+        <a:font script="Beng" typeface="Vrinda"/>
+        <a:font script="Gujr" typeface="Shruti"/>
+        <a:font script="Khmr" typeface="DaunPenh"/>
+        <a:font script="Knda" typeface="Tunga"/>
+        <a:font script="Guru" typeface="Raavi"/>
+        <a:font script="Cans" typeface="Euphemia"/>
+        <a:font script="Cher" typeface="Plantagenet Cherokee"/>
+        <a:font script="Yiii" typeface="Microsoft Yi Baiti"/>
+        <a:font script="Tibt" typeface="Microsoft Himalaya"/>
+        <a:font script="Thaa" typeface="MV Boli"/>
+        <a:font script="Deva" typeface="Mangal"/>
+        <a:font script="Telu" typeface="Gautami"/>
+        <a:font script="Taml" typeface="Latha"/>
+        <a:font script="Syrc" typeface="Estrangelo Edessa"/>
+        <a:font script="Orya" typeface="Kalinga"/>
+        <a:font script="Mlym" typeface="Kartika"/>
+        <a:font script="Laoo" typeface="DokChampa"/>
+        <a:font script="Sinh" typeface="Iskoola Pota"/>
+        <a:font script="Mong" typeface="Mongolian Baiti"/>
+        <a:font script="Viet" typeface="Arial"/>
+        <a:font script="Uigh" typeface="Microsoft Uighur"/>
+        <a:font script="Geor" typeface="Sylfaen"/>
+        <a:font script="Armn" typeface="Arial"/>
+        <a:font script="Bugi" typeface="Leelawadee UI"/>
+        <a:font script="Bopo" typeface="Microsoft JhengHei"/>
+        <a:font script="Java" typeface="Javanese Text"/>
+        <a:font script="Lisu" typeface="Segoe UI"/>
+        <a:font script="Mymr" typeface="Myanmar Text"/>
+        <a:font script="Nkoo" typeface="Ebrima"/>
+        <a:font script="Olck" typeface="Nirmala UI"/>
+        <a:font script="Osma" typeface="Ebrima"/>
+        <a:font script="Phag" typeface="Phagspa"/>
+        <a:font script="Syrn" typeface="Estrangelo Edessa"/>
+        <a:font script="Syrj" typeface="Estrangelo Edessa"/>
+        <a:font script="Syre" typeface="Estrangelo Edessa"/>
+        <a:font script="Sora" typeface="Nirmala UI"/>
+        <a:font script="Tale" typeface="Microsoft Tai Le"/>
+        <a:font script="Talu" typeface="Microsoft New Tai Lue"/>
+        <a:font script="Tfng" typeface="Ebrima"/>
+      </a:minorFont>
+    </a:fontScheme>
+    <a:fmtScheme name="Office">
+      <a:fillStyleLst>
+        <a:solidFill>
+          <a:schemeClr val="phClr"/>
+        </a:solidFill>
+        <a:gradFill rotWithShape="1">
+          <a:gsLst>
+            <a:gs pos="0">
+              <a:schemeClr val="phClr">
+                <a:lumMod val="110000"/>
+                <a:satMod val="105000"/>
+                <a:tint val="67000"/>
+              </a:schemeClr>
+            </a:gs>
+            <a:gs pos="50000">
+              <a:schemeClr val="phClr">
+                <a:lumMod val="105000"/>
+                <a:satMod val="103000"/>
+                <a:tint val="73000"/>
+              </a:schemeClr>
+            </a:gs>
+            <a:gs pos="100000">
+              <a:schemeClr val="phClr">
+                <a:lumMod val="105000"/>
+                <a:satMod val="109000"/>
+                <a:tint val="81000"/>
+              </a:schemeClr>
+            </a:gs>
+          </a:gsLst>
+          <a:lin ang="5400000" scaled="0"/>
+        </a:gradFill>
+        <a:gradFill rotWithShape="1">
+          <a:gsLst>
+            <a:gs pos="0">
+              <a:schemeClr val="phClr">
+                <a:satMod val="103000"/>
+                <a:lumMod val="102000"/>
+                <a:tint val="94000"/>
+              </a:schemeClr>
+            </a:gs>
+            <a:gs pos="50000">
+              <a:schemeClr val="phClr">
+                <a:satMod val="110000"/>
+                <a:lumMod val="100000"/>
+                <a:shade val="100000"/>
+              </a:schemeClr>
+            </a:gs>
+            <a:gs pos="100000">
+              <a:schemeClr val="phClr">
+                <a:lumMod val="99000"/>
+                <a:satMod val="120000"/>
+                <a:shade val="78000"/>
+              </a:schemeClr>
+            </a:gs>
+          </a:gsLst>
+          <a:lin ang="5400000" scaled="0"/>
+        </a:gradFill>
+      </a:fillStyleLst>
+      <a:lnStyleLst>
+        <a:ln w="12700" cap="flat" cmpd="sng" algn="ctr">
+          <a:solidFill>
+            <a:schemeClr val="phClr"/>
+          </a:solidFill>
+          <a:prstDash val="solid"/>
+          <a:miter lim="800000"/>
+        </a:ln>
+        <a:ln w="19050" cap="flat" cmpd="sng" algn="ctr">
+          <a:solidFill>
+            <a:schemeClr val="phClr"/>
+          </a:solidFill>
+          <a:prstDash val="solid"/>
+          <a:miter lim="800000"/>
+        </a:ln>
+        <a:ln w="25400" cap="flat" cmpd="sng" algn="ctr">
+          <a:solidFill>
+            <a:schemeClr val="phClr"/>
+          </a:solidFill>
+          <a:prstDash val="solid"/>
+          <a:miter lim="800000"/>
+        </a:ln>
+      </a:lnStyleLst>
+      <a:effectStyleLst>
+        <a:effectStyle>
+          <a:effectLst/>
+        </a:effectStyle>
+        <a:effectStyle>
+          <a:effectLst/>
+        </a:effectStyle>
+        <a:effectStyle>
+          <a:effectLst>
+            <a:outerShdw blurRad="57150" dist="19050" dir="5400000" algn="ctr" rotWithShape="0">
+              <a:srgbClr val="000000">
+                <a:alpha val="63000"/>
+              </a:srgbClr>
+            </a:outerShdw>
+          </a:effectLst>
+        </a:effectStyle>
+      </a:effectStyleLst>
+      <a:bgFillStyleLst>
+        <a:solidFill>
+          <a:schemeClr val="phClr"/>
+        </a:solidFill>
+        <a:solidFill>
+          <a:schemeClr val="phClr">
+            <a:tint val="95000"/>
+            <a:satMod val="170000"/>
+          </a:schemeClr>
+        </a:solidFill>
+        <a:gradFill rotWithShape="1">
+          <a:gsLst>
+            <a:gs pos="0">
+              <a:schemeClr val="phClr">
+                <a:tint val="93000"/>
+                <a:satMod val="150000"/>
+                <a:shade val="98000"/>
+                <a:lumMod val="102000"/>
+              </a:schemeClr>
+            </a:gs>
+            <a:gs pos="50000">
+              <a:schemeClr val="phClr">
+                <a:tint val="98000"/>
+                <a:satMod val="130000"/>
+                <a:shade val="90000"/>
+                <a:lumMod val="103000"/>
+              </a:schemeClr>
+            </a:gs>
+            <a:gs pos="100000">
+              <a:schemeClr val="phClr">
+                <a:shade val="63000"/>
+                <a:satMod val="120000"/>
+              </a:schemeClr>
+            </a:gs>
+          </a:gsLst>
+          <a:lin ang="5400000" scaled="0"/>
+        </a:gradFill>
+      </a:bgFillStyleLst>
+    </a:fmtScheme>
+  </a:themeElements>
+  <a:objectDefaults>
+    <a:lnDef>
+      <a:spPr/>
+      <a:bodyPr/>
+      <a:lstStyle/>
+      <a:style>
+        <a:lnRef idx="2">
+          <a:schemeClr val="accent1"/>
+        </a:lnRef>
+        <a:fillRef idx="0">
+          <a:schemeClr val="accent1"/>
+        </a:fillRef>
+        <a:effectRef idx="1">
+          <a:schemeClr val="accent1"/>
+        </a:effectRef>
+        <a:fontRef idx="minor">
+          <a:schemeClr val="tx1"/>
+        </a:fontRef>
+      </a:style>
+    </a:lnDef>
+  </a:objectDefaults>
+  <a:extraClrSchemeLst/>
+  <a:extLst>
+    <a:ext uri="{05A4C25C-085E-4340-85A3-A5531E510DB2}">
+      <thm15:themeFamily xmlns:thm15="http://schemas.microsoft.com/office/thememl/2012/main" name="Office Theme" id="{2E142A2C-CD16-42D6-873A-C26D2A0506FA}" vid="{1BDDFF52-6CD6-40A5-AB3C-68EB2F1E4D0A}"/>
+    </a:ext>
+  </a:extLst>
+</a:theme>
 </file>